--- a/slides/Tag-3_2_1-GitLab-Runner.pptx
+++ b/slides/Tag-3_2_1-GitLab-Runner.pptx
@@ -8885,6 +8885,60 @@
               <a:t>https://medium.com/devops-with-valentine/a-brief-guide-to-gitlab-ci-runners-and-executors-a81b9b8bf24e</a:t>
             </a:r>
           </a:p>
+          <a:p>
+            <a:endParaRPr lang="de-DE" dirty="0"/>
+          </a:p>
+          <a:p>
+            <a:r>
+              <a:rPr lang="de-DE" dirty="0"/>
+              <a:t>Agent </a:t>
+            </a:r>
+            <a:r>
+              <a:rPr lang="de-DE" dirty="0" err="1"/>
+              <a:t>vs</a:t>
+            </a:r>
+            <a:r>
+              <a:rPr lang="de-DE" dirty="0"/>
+              <a:t> </a:t>
+            </a:r>
+            <a:r>
+              <a:rPr lang="de-DE" dirty="0" err="1"/>
+              <a:t>Daemon</a:t>
+            </a:r>
+            <a:endParaRPr lang="de-DE" dirty="0"/>
+          </a:p>
+          <a:p>
+            <a:r>
+              <a:rPr lang="de-DE" dirty="0"/>
+              <a:t>Agent – meist im „</a:t>
+            </a:r>
+            <a:r>
+              <a:rPr lang="de-DE" dirty="0" err="1"/>
+              <a:t>user</a:t>
+            </a:r>
+            <a:r>
+              <a:rPr lang="de-DE" dirty="0"/>
+              <a:t> </a:t>
+            </a:r>
+            <a:r>
+              <a:rPr lang="de-DE" dirty="0" err="1"/>
+              <a:t>mode</a:t>
+            </a:r>
+            <a:r>
+              <a:rPr lang="de-DE" dirty="0"/>
+              <a:t>“ und beim gezielten Starten durch den User</a:t>
+            </a:r>
+          </a:p>
+          <a:p>
+            <a:r>
+              <a:rPr lang="de-DE" dirty="0" err="1"/>
+              <a:t>Daemon</a:t>
+            </a:r>
+            <a:r>
+              <a:rPr lang="de-DE" dirty="0"/>
+              <a:t> – meist als „root“ und beim hochfahren eines System</a:t>
+            </a:r>
+          </a:p>
         </p:txBody>
       </p:sp>
       <p:sp>
@@ -10560,7 +10614,7 @@
               <a:pPr algn="ctr">
                 <a:defRPr/>
               </a:pPr>
-              <a:t>05.06.2024</a:t>
+              <a:t>06.06.2024</a:t>
             </a:fld>
             <a:endParaRPr lang="de-DE" sz="1000">
               <a:solidFill>
@@ -20216,7 +20270,7 @@
             </a:pPr>
             <a:r>
               <a:rPr lang="de-DE" b="1" dirty="0"/>
-              <a:t>Instance Runners</a:t>
+              <a:t>Live-Demo: Instance Runners</a:t>
             </a:r>
           </a:p>
           <a:p>
@@ -26234,7 +26288,7 @@
             </a:pPr>
             <a:r>
               <a:rPr lang="de-DE" b="1" dirty="0"/>
-              <a:t>Group Runners</a:t>
+              <a:t>Live-Demo: Group Runners</a:t>
             </a:r>
           </a:p>
           <a:p>
@@ -29889,7 +29943,7 @@
             </a:pPr>
             <a:r>
               <a:rPr lang="de-DE" b="1" dirty="0"/>
-              <a:t>Project Runners</a:t>
+              <a:t>Live-Demo: Project Runners</a:t>
             </a:r>
           </a:p>
           <a:p>
@@ -36661,7 +36715,7 @@
             </a:r>
             <a:r>
               <a:rPr lang="de-DE" dirty="0"/>
-              <a:t>“ installiert, (meist) auf einem anderen Server, als der </a:t>
+              <a:t>“, welcher (meist) auf einem anderen Server, als der </a:t>
             </a:r>
             <a:r>
               <a:rPr lang="de-DE" dirty="0" err="1"/>
@@ -36669,7 +36723,7 @@
             </a:r>
             <a:r>
               <a:rPr lang="de-DE" dirty="0"/>
-              <a:t> Server</a:t>
+              <a:t> Server installiert</a:t>
             </a:r>
           </a:p>
           <a:p>
